--- a/data/pptx/003_7_Teorijske_perspektive_u_sociologiji.pptx
+++ b/data/pptx/003_7_Teorijske_perspektive_u_sociologiji.pptx
@@ -8,17 +8,17 @@
     <p:notesMasterId r:id="rId13"/>
   </p:notesMasterIdLst>
   <p:sldIdLst>
-    <p:sldId id="256" r:id="rId2"/>
-    <p:sldId id="257" r:id="rId3"/>
-    <p:sldId id="258" r:id="rId4"/>
-    <p:sldId id="259" r:id="rId5"/>
-    <p:sldId id="260" r:id="rId6"/>
-    <p:sldId id="261" r:id="rId7"/>
-    <p:sldId id="262" r:id="rId8"/>
-    <p:sldId id="265" r:id="rId9"/>
-    <p:sldId id="266" r:id="rId10"/>
-    <p:sldId id="267" r:id="rId11"/>
-    <p:sldId id="268" r:id="rId12"/>
+    <p:sldId id="269" r:id="rId2"/>
+    <p:sldId id="270" r:id="rId3"/>
+    <p:sldId id="271" r:id="rId4"/>
+    <p:sldId id="272" r:id="rId5"/>
+    <p:sldId id="273" r:id="rId6"/>
+    <p:sldId id="274" r:id="rId7"/>
+    <p:sldId id="275" r:id="rId8"/>
+    <p:sldId id="276" r:id="rId9"/>
+    <p:sldId id="277" r:id="rId10"/>
+    <p:sldId id="278" r:id="rId11"/>
+    <p:sldId id="279" r:id="rId12"/>
   </p:sldIdLst>
   <p:sldSz cx="9144000" cy="6858000" type="screen4x3"/>
   <p:notesSz cx="6858000" cy="9144000"/>
@@ -259,7 +259,7 @@
               <a:pPr>
                 <a:defRPr/>
               </a:pPr>
-              <a:t>30.10.2017.</a:t>
+              <a:t>9.11.2017.</a:t>
             </a:fld>
             <a:endParaRPr lang="hr-HR"/>
           </a:p>
@@ -1343,7 +1343,7 @@
               <a:pPr>
                 <a:defRPr/>
               </a:pPr>
-              <a:t>30.10.2017.</a:t>
+              <a:t>9.11.2017.</a:t>
             </a:fld>
             <a:endParaRPr lang="hr-HR"/>
           </a:p>
@@ -1549,7 +1549,7 @@
               <a:pPr>
                 <a:defRPr/>
               </a:pPr>
-              <a:t>30.10.2017.</a:t>
+              <a:t>9.11.2017.</a:t>
             </a:fld>
             <a:endParaRPr lang="hr-HR"/>
           </a:p>
@@ -1751,7 +1751,7 @@
               <a:pPr>
                 <a:defRPr/>
               </a:pPr>
-              <a:t>30.10.2017.</a:t>
+              <a:t>9.11.2017.</a:t>
             </a:fld>
             <a:endParaRPr lang="hr-HR"/>
           </a:p>
@@ -1943,7 +1943,7 @@
               <a:pPr>
                 <a:defRPr/>
               </a:pPr>
-              <a:t>30.10.2017.</a:t>
+              <a:t>9.11.2017.</a:t>
             </a:fld>
             <a:endParaRPr lang="hr-HR"/>
           </a:p>
@@ -2191,7 +2191,7 @@
               <a:pPr>
                 <a:defRPr/>
               </a:pPr>
-              <a:t>30.10.2017.</a:t>
+              <a:t>9.11.2017.</a:t>
             </a:fld>
             <a:endParaRPr lang="hr-HR"/>
           </a:p>
@@ -2477,7 +2477,7 @@
               <a:pPr>
                 <a:defRPr/>
               </a:pPr>
-              <a:t>30.10.2017.</a:t>
+              <a:t>9.11.2017.</a:t>
             </a:fld>
             <a:endParaRPr lang="hr-HR"/>
           </a:p>
@@ -2908,7 +2908,7 @@
               <a:pPr>
                 <a:defRPr/>
               </a:pPr>
-              <a:t>30.10.2017.</a:t>
+              <a:t>9.11.2017.</a:t>
             </a:fld>
             <a:endParaRPr lang="hr-HR"/>
           </a:p>
@@ -3066,7 +3066,7 @@
               <a:pPr>
                 <a:defRPr/>
               </a:pPr>
-              <a:t>30.10.2017.</a:t>
+              <a:t>9.11.2017.</a:t>
             </a:fld>
             <a:endParaRPr lang="hr-HR"/>
           </a:p>
@@ -3183,7 +3183,7 @@
               <a:pPr>
                 <a:defRPr/>
               </a:pPr>
-              <a:t>30.10.2017.</a:t>
+              <a:t>9.11.2017.</a:t>
             </a:fld>
             <a:endParaRPr lang="hr-HR"/>
           </a:p>
@@ -3455,7 +3455,7 @@
               <a:pPr>
                 <a:defRPr/>
               </a:pPr>
-              <a:t>30.10.2017.</a:t>
+              <a:t>9.11.2017.</a:t>
             </a:fld>
             <a:endParaRPr lang="hr-HR"/>
           </a:p>
@@ -3729,7 +3729,7 @@
               <a:pPr>
                 <a:defRPr/>
               </a:pPr>
-              <a:t>30.10.2017.</a:t>
+              <a:t>9.11.2017.</a:t>
             </a:fld>
             <a:endParaRPr lang="hr-HR"/>
           </a:p>
@@ -4705,7 +4705,7 @@
               <a:pPr>
                 <a:defRPr/>
               </a:pPr>
-              <a:t>30.10.2017.</a:t>
+              <a:t>9.11.2017.</a:t>
             </a:fld>
             <a:endParaRPr lang="hr-HR"/>
           </a:p>
@@ -5275,13 +5275,7 @@
           <a:ln>
             <a:noFill/>
           </a:ln>
-          <a:effectLst>
-            <a:outerShdw blurRad="190500" algn="tl" rotWithShape="0">
-              <a:srgbClr val="000000">
-                <a:alpha val="70000"/>
-              </a:srgbClr>
-            </a:outerShdw>
-          </a:effectLst>
+          <a:effectLst/>
         </p:spPr>
       </p:pic>
       <p:sp>
@@ -5507,17 +5501,22 @@
         </p:txBody>
       </p:sp>
     </p:spTree>
+    <p:extLst>
+      <p:ext uri="{BB962C8B-B14F-4D97-AF65-F5344CB8AC3E}">
+        <p14:creationId xmlns:p14="http://schemas.microsoft.com/office/powerpoint/2010/main" val="3796830125"/>
+      </p:ext>
+    </p:extLst>
   </p:cSld>
   <p:clrMapOvr>
     <a:masterClrMapping/>
   </p:clrMapOvr>
-  <mc:AlternateContent xmlns:mc="http://schemas.openxmlformats.org/markup-compatibility/2006">
-    <mc:Choice xmlns:p14="http://schemas.microsoft.com/office/powerpoint/2010/main" Requires="p14">
+  <mc:AlternateContent xmlns:mc="http://schemas.openxmlformats.org/markup-compatibility/2006" xmlns:p14="http://schemas.microsoft.com/office/powerpoint/2010/main">
+    <mc:Choice Requires="p14">
       <p:transition>
         <p14:reveal/>
       </p:transition>
     </mc:Choice>
-    <mc:Fallback>
+    <mc:Fallback xmlns="">
       <p:transition>
         <p:fade/>
       </p:transition>
@@ -5714,27 +5713,7 @@
                 <a:latin typeface="Calibri" panose="020F0502020204030204" pitchFamily="34" charset="0"/>
                 <a:cs typeface="Calibri" panose="020F0502020204030204" pitchFamily="34" charset="0"/>
               </a:rPr>
-              <a:t>najvažniji </a:t>
-            </a:r>
-            <a:r>
-              <a:rPr lang="hr-HR" dirty="0" smtClean="0">
-                <a:solidFill>
-                  <a:schemeClr val="tx1"/>
-                </a:solidFill>
-                <a:latin typeface="Calibri" panose="020F0502020204030204" pitchFamily="34" charset="0"/>
-                <a:cs typeface="Calibri" panose="020F0502020204030204" pitchFamily="34" charset="0"/>
-              </a:rPr>
-              <a:t>predmet i </a:t>
-            </a:r>
-            <a:r>
-              <a:rPr lang="hr-HR" dirty="0" smtClean="0">
-                <a:solidFill>
-                  <a:schemeClr val="tx1"/>
-                </a:solidFill>
-                <a:latin typeface="Calibri" panose="020F0502020204030204" pitchFamily="34" charset="0"/>
-                <a:cs typeface="Calibri" panose="020F0502020204030204" pitchFamily="34" charset="0"/>
-              </a:rPr>
-              <a:t>polazište istraživanja su iskustva i položaj žena u društvu</a:t>
+              <a:t>najvažniji predmet i polazište istraživanja su iskustva i položaj žena u društvu</a:t>
             </a:r>
           </a:p>
           <a:p>
@@ -5757,27 +5736,7 @@
                 <a:latin typeface="Calibri" panose="020F0502020204030204" pitchFamily="34" charset="0"/>
                 <a:cs typeface="Calibri" panose="020F0502020204030204" pitchFamily="34" charset="0"/>
               </a:rPr>
-              <a:t>žene su središnji </a:t>
-            </a:r>
-            <a:r>
-              <a:rPr lang="hr-HR" dirty="0" smtClean="0">
-                <a:solidFill>
-                  <a:schemeClr val="tx1"/>
-                </a:solidFill>
-                <a:latin typeface="Calibri" panose="020F0502020204030204" pitchFamily="34" charset="0"/>
-                <a:cs typeface="Calibri" panose="020F0502020204030204" pitchFamily="34" charset="0"/>
-              </a:rPr>
-              <a:t>„subjekt” </a:t>
-            </a:r>
-            <a:r>
-              <a:rPr lang="hr-HR" dirty="0" smtClean="0">
-                <a:solidFill>
-                  <a:schemeClr val="tx1"/>
-                </a:solidFill>
-                <a:latin typeface="Calibri" panose="020F0502020204030204" pitchFamily="34" charset="0"/>
-                <a:cs typeface="Calibri" panose="020F0502020204030204" pitchFamily="34" charset="0"/>
-              </a:rPr>
-              <a:t>u istraživačkom procesu (promatranje svijeta iz ženske perspektive)</a:t>
+              <a:t>žene su središnji „subjekt” u istraživačkom procesu (promatranje svijeta iz ženske perspektive)</a:t>
             </a:r>
           </a:p>
           <a:p>
@@ -5823,17 +5782,7 @@
                 <a:latin typeface="Calibri" panose="020F0502020204030204" pitchFamily="34" charset="0"/>
                 <a:cs typeface="Calibri" panose="020F0502020204030204" pitchFamily="34" charset="0"/>
               </a:rPr>
-              <a:t>kritika sociologije (opisivanje društva iz </a:t>
-            </a:r>
-            <a:r>
-              <a:rPr lang="hr-HR" dirty="0" smtClean="0">
-                <a:solidFill>
-                  <a:schemeClr val="tx1"/>
-                </a:solidFill>
-                <a:latin typeface="Calibri" panose="020F0502020204030204" pitchFamily="34" charset="0"/>
-                <a:cs typeface="Calibri" panose="020F0502020204030204" pitchFamily="34" charset="0"/>
-              </a:rPr>
-              <a:t>„muške perspektive”)</a:t>
+              <a:t>kritika sociologije (opisivanje društva iz „muške perspektive”)</a:t>
             </a:r>
             <a:endParaRPr lang="hr-HR" dirty="0" smtClean="0">
               <a:latin typeface="Calibri" panose="020F0502020204030204" pitchFamily="34" charset="0"/>
@@ -5843,17 +5792,22 @@
         </p:txBody>
       </p:sp>
     </p:spTree>
+    <p:extLst>
+      <p:ext uri="{BB962C8B-B14F-4D97-AF65-F5344CB8AC3E}">
+        <p14:creationId xmlns:p14="http://schemas.microsoft.com/office/powerpoint/2010/main" val="3590572967"/>
+      </p:ext>
+    </p:extLst>
   </p:cSld>
   <p:clrMapOvr>
     <a:masterClrMapping/>
   </p:clrMapOvr>
-  <mc:AlternateContent xmlns:mc="http://schemas.openxmlformats.org/markup-compatibility/2006">
-    <mc:Choice xmlns:p14="http://schemas.microsoft.com/office/powerpoint/2010/main" Requires="p14">
+  <mc:AlternateContent xmlns:mc="http://schemas.openxmlformats.org/markup-compatibility/2006" xmlns:p14="http://schemas.microsoft.com/office/powerpoint/2010/main">
+    <mc:Choice Requires="p14">
       <p:transition>
         <p14:reveal/>
       </p:transition>
     </mc:Choice>
-    <mc:Fallback>
+    <mc:Fallback xmlns="">
       <p:transition>
         <p:fade/>
       </p:transition>
@@ -6497,36 +6451,28 @@
                 <a:cs typeface="Calibri" panose="020F0502020204030204" pitchFamily="34" charset="0"/>
                 <a:sym typeface="Wingdings" pitchFamily="2" charset="2"/>
               </a:rPr>
-              <a:t>proizvodnja znanja je sastavni dio moći koji upravlja cjelokupnom proizvodnjom u </a:t>
-            </a:r>
-            <a:r>
-              <a:rPr lang="hr-HR" dirty="0" smtClean="0">
-                <a:latin typeface="Calibri" panose="020F0502020204030204" pitchFamily="34" charset="0"/>
-                <a:cs typeface="Calibri" panose="020F0502020204030204" pitchFamily="34" charset="0"/>
-                <a:sym typeface="Wingdings" pitchFamily="2" charset="2"/>
-              </a:rPr>
-              <a:t>društvu</a:t>
-            </a:r>
-            <a:endParaRPr lang="hr-HR" dirty="0" smtClean="0">
-              <a:latin typeface="Calibri" panose="020F0502020204030204" pitchFamily="34" charset="0"/>
-              <a:cs typeface="Calibri" panose="020F0502020204030204" pitchFamily="34" charset="0"/>
-              <a:sym typeface="Wingdings" pitchFamily="2" charset="2"/>
-            </a:endParaRPr>
+              <a:t>proizvodnja znanja je sastavni dio moći koji upravlja cjelokupnom proizvodnjom u društvu</a:t>
+            </a:r>
           </a:p>
         </p:txBody>
       </p:sp>
     </p:spTree>
+    <p:extLst>
+      <p:ext uri="{BB962C8B-B14F-4D97-AF65-F5344CB8AC3E}">
+        <p14:creationId xmlns:p14="http://schemas.microsoft.com/office/powerpoint/2010/main" val="601136708"/>
+      </p:ext>
+    </p:extLst>
   </p:cSld>
   <p:clrMapOvr>
     <a:masterClrMapping/>
   </p:clrMapOvr>
-  <mc:AlternateContent xmlns:mc="http://schemas.openxmlformats.org/markup-compatibility/2006">
-    <mc:Choice xmlns:p14="http://schemas.microsoft.com/office/powerpoint/2010/main" Requires="p14">
+  <mc:AlternateContent xmlns:mc="http://schemas.openxmlformats.org/markup-compatibility/2006" xmlns:p14="http://schemas.microsoft.com/office/powerpoint/2010/main">
+    <mc:Choice Requires="p14">
       <p:transition>
         <p14:reveal/>
       </p:transition>
     </mc:Choice>
-    <mc:Fallback>
+    <mc:Fallback xmlns="">
       <p:transition>
         <p:fade/>
       </p:transition>
@@ -6942,7 +6888,7 @@
         </p:nvSpPr>
         <p:spPr>
           <a:xfrm>
-            <a:off x="142844" y="404664"/>
+            <a:off x="142844" y="477111"/>
             <a:ext cx="4645180" cy="1357322"/>
           </a:xfrm>
         </p:spPr>
@@ -7275,17 +7221,22 @@
         </p:txBody>
       </p:sp>
     </p:spTree>
+    <p:extLst>
+      <p:ext uri="{BB962C8B-B14F-4D97-AF65-F5344CB8AC3E}">
+        <p14:creationId xmlns:p14="http://schemas.microsoft.com/office/powerpoint/2010/main" val="1939824489"/>
+      </p:ext>
+    </p:extLst>
   </p:cSld>
   <p:clrMapOvr>
     <a:masterClrMapping/>
   </p:clrMapOvr>
-  <mc:AlternateContent xmlns:mc="http://schemas.openxmlformats.org/markup-compatibility/2006">
-    <mc:Choice xmlns:p14="http://schemas.microsoft.com/office/powerpoint/2010/main" Requires="p14">
+  <mc:AlternateContent xmlns:mc="http://schemas.openxmlformats.org/markup-compatibility/2006" xmlns:p14="http://schemas.microsoft.com/office/powerpoint/2010/main">
+    <mc:Choice Requires="p14">
       <p:transition>
         <p14:reveal/>
       </p:transition>
     </mc:Choice>
-    <mc:Fallback>
+    <mc:Fallback xmlns="">
       <p:transition>
         <p:fade/>
       </p:transition>
@@ -7886,17 +7837,22 @@
         </p:txBody>
       </p:sp>
     </p:spTree>
+    <p:extLst>
+      <p:ext uri="{BB962C8B-B14F-4D97-AF65-F5344CB8AC3E}">
+        <p14:creationId xmlns:p14="http://schemas.microsoft.com/office/powerpoint/2010/main" val="3399817161"/>
+      </p:ext>
+    </p:extLst>
   </p:cSld>
   <p:clrMapOvr>
     <a:masterClrMapping/>
   </p:clrMapOvr>
-  <mc:AlternateContent xmlns:mc="http://schemas.openxmlformats.org/markup-compatibility/2006">
-    <mc:Choice xmlns:p14="http://schemas.microsoft.com/office/powerpoint/2010/main" Requires="p14">
+  <mc:AlternateContent xmlns:mc="http://schemas.openxmlformats.org/markup-compatibility/2006" xmlns:p14="http://schemas.microsoft.com/office/powerpoint/2010/main">
+    <mc:Choice Requires="p14">
       <p:transition>
         <p14:reveal/>
       </p:transition>
     </mc:Choice>
-    <mc:Fallback>
+    <mc:Fallback xmlns="">
       <p:transition>
         <p:fade/>
       </p:transition>
@@ -8297,7 +8253,9 @@
           </a:xfrm>
         </p:spPr>
         <p:txBody>
-          <a:bodyPr/>
+          <a:bodyPr>
+            <a:normAutofit lnSpcReduction="10000"/>
+          </a:bodyPr>
           <a:lstStyle/>
           <a:p>
             <a:pPr>
@@ -8491,19 +8449,8 @@
                 <a:latin typeface="Calibri" panose="020F0502020204030204" pitchFamily="34" charset="0"/>
                 <a:cs typeface="Calibri" panose="020F0502020204030204" pitchFamily="34" charset="0"/>
               </a:rPr>
-              <a:t>pridonosi održavanju i stabilnosti </a:t>
-            </a:r>
-            <a:r>
-              <a:rPr lang="hr-HR" sz="2400" u="sng" dirty="0" smtClean="0">
-                <a:latin typeface="Calibri" panose="020F0502020204030204" pitchFamily="34" charset="0"/>
-                <a:cs typeface="Calibri" panose="020F0502020204030204" pitchFamily="34" charset="0"/>
-              </a:rPr>
-              <a:t>cjeline</a:t>
-            </a:r>
-            <a:endParaRPr lang="hr-HR" sz="2400" u="sng" dirty="0" smtClean="0">
-              <a:latin typeface="Calibri" panose="020F0502020204030204" pitchFamily="34" charset="0"/>
-              <a:cs typeface="Calibri" panose="020F0502020204030204" pitchFamily="34" charset="0"/>
-            </a:endParaRPr>
+              <a:t>pridonosi održavanju i stabilnosti cjeline</a:t>
+            </a:r>
           </a:p>
           <a:p>
             <a:pPr>
@@ -8554,7 +8501,37 @@
                 <a:latin typeface="Calibri" panose="020F0502020204030204" pitchFamily="34" charset="0"/>
                 <a:cs typeface="Calibri" panose="020F0502020204030204" pitchFamily="34" charset="0"/>
               </a:rPr>
-              <a:t> – začetnici funkcionalizma</a:t>
+              <a:t> – </a:t>
+            </a:r>
+            <a:r>
+              <a:rPr lang="hr-HR" sz="2400" b="1" dirty="0" smtClean="0">
+                <a:solidFill>
+                  <a:srgbClr val="FF0000"/>
+                </a:solidFill>
+                <a:latin typeface="Calibri" panose="020F0502020204030204" pitchFamily="34" charset="0"/>
+                <a:cs typeface="Calibri" panose="020F0502020204030204" pitchFamily="34" charset="0"/>
+              </a:rPr>
+              <a:t>začetnici</a:t>
+            </a:r>
+            <a:r>
+              <a:rPr lang="hr-HR" sz="2400" dirty="0" smtClean="0">
+                <a:solidFill>
+                  <a:srgbClr val="FF0000"/>
+                </a:solidFill>
+                <a:latin typeface="Calibri" panose="020F0502020204030204" pitchFamily="34" charset="0"/>
+                <a:cs typeface="Calibri" panose="020F0502020204030204" pitchFamily="34" charset="0"/>
+              </a:rPr>
+              <a:t> </a:t>
+            </a:r>
+            <a:r>
+              <a:rPr lang="hr-HR" sz="2400" b="1" dirty="0" smtClean="0">
+                <a:solidFill>
+                  <a:srgbClr val="FF0000"/>
+                </a:solidFill>
+                <a:latin typeface="Calibri" panose="020F0502020204030204" pitchFamily="34" charset="0"/>
+                <a:cs typeface="Calibri" panose="020F0502020204030204" pitchFamily="34" charset="0"/>
+              </a:rPr>
+              <a:t>funkcionalizma</a:t>
             </a:r>
           </a:p>
           <a:p>
@@ -8740,17 +8717,22 @@
         </p:txBody>
       </p:sp>
     </p:spTree>
+    <p:extLst>
+      <p:ext uri="{BB962C8B-B14F-4D97-AF65-F5344CB8AC3E}">
+        <p14:creationId xmlns:p14="http://schemas.microsoft.com/office/powerpoint/2010/main" val="699585026"/>
+      </p:ext>
+    </p:extLst>
   </p:cSld>
   <p:clrMapOvr>
     <a:masterClrMapping/>
   </p:clrMapOvr>
-  <mc:AlternateContent xmlns:mc="http://schemas.openxmlformats.org/markup-compatibility/2006">
-    <mc:Choice xmlns:p14="http://schemas.microsoft.com/office/powerpoint/2010/main" Requires="p14">
+  <mc:AlternateContent xmlns:mc="http://schemas.openxmlformats.org/markup-compatibility/2006" xmlns:p14="http://schemas.microsoft.com/office/powerpoint/2010/main">
+    <mc:Choice Requires="p14">
       <p:transition>
         <p14:reveal/>
       </p:transition>
     </mc:Choice>
-    <mc:Fallback>
+    <mc:Fallback xmlns="">
       <p:transition>
         <p:fade/>
       </p:transition>
@@ -9498,7 +9480,7 @@
                 <a:latin typeface="Calibri" panose="020F0502020204030204" pitchFamily="34" charset="0"/>
                 <a:cs typeface="Calibri" panose="020F0502020204030204" pitchFamily="34" charset="0"/>
               </a:rPr>
-              <a:t>– klasna borba kao pokretač promjena</a:t>
+              <a:t>– klasna borba kao pokretač promjena u društvu</a:t>
             </a:r>
           </a:p>
         </p:txBody>
@@ -9512,7 +9494,7 @@
           <p:nvPr>
             <p:extLst>
               <p:ext uri="{D42A27DB-BD31-4B8C-83A1-F6EECF244321}">
-                <p14:modId xmlns:p14="http://schemas.microsoft.com/office/powerpoint/2010/main" val="3531183897"/>
+                <p14:modId xmlns:p14="http://schemas.microsoft.com/office/powerpoint/2010/main" val="3827185556"/>
               </p:ext>
             </p:extLst>
           </p:nvPr>
@@ -9528,9 +9510,27 @@
                 <a:tableStyleId>{5C22544A-7EE6-4342-B048-85BDC9FD1C3A}</a:tableStyleId>
               </a:tblPr>
               <a:tblGrid>
-                <a:gridCol w="2340893"/>
-                <a:gridCol w="3384376"/>
-                <a:gridCol w="3061604"/>
+                <a:gridCol w="2340893">
+                  <a:extLst>
+                    <a:ext uri="{9D8B030D-6E8A-4147-A177-3AD203B41FA5}">
+                      <a16:colId xmlns:a16="http://schemas.microsoft.com/office/drawing/2014/main" xmlns="" val="20000"/>
+                    </a:ext>
+                  </a:extLst>
+                </a:gridCol>
+                <a:gridCol w="3384376">
+                  <a:extLst>
+                    <a:ext uri="{9D8B030D-6E8A-4147-A177-3AD203B41FA5}">
+                      <a16:colId xmlns:a16="http://schemas.microsoft.com/office/drawing/2014/main" xmlns="" val="20001"/>
+                    </a:ext>
+                  </a:extLst>
+                </a:gridCol>
+                <a:gridCol w="3061604">
+                  <a:extLst>
+                    <a:ext uri="{9D8B030D-6E8A-4147-A177-3AD203B41FA5}">
+                      <a16:colId xmlns:a16="http://schemas.microsoft.com/office/drawing/2014/main" xmlns="" val="20002"/>
+                    </a:ext>
+                  </a:extLst>
+                </a:gridCol>
               </a:tblGrid>
               <a:tr h="428628">
                 <a:tc>
@@ -9601,6 +9601,11 @@
                   </a:txBody>
                   <a:tcPr anchor="ctr"/>
                 </a:tc>
+                <a:extLst>
+                  <a:ext uri="{0D108BD9-81ED-4DB2-BD59-A6C34878D82A}">
+                    <a16:rowId xmlns:a16="http://schemas.microsoft.com/office/drawing/2014/main" xmlns="" val="10000"/>
+                  </a:ext>
+                </a:extLst>
               </a:tr>
               <a:tr h="785818">
                 <a:tc>
@@ -9723,6 +9728,11 @@
                   </a:txBody>
                   <a:tcPr anchor="ctr"/>
                 </a:tc>
+                <a:extLst>
+                  <a:ext uri="{0D108BD9-81ED-4DB2-BD59-A6C34878D82A}">
+                    <a16:rowId xmlns:a16="http://schemas.microsoft.com/office/drawing/2014/main" xmlns="" val="10001"/>
+                  </a:ext>
+                </a:extLst>
               </a:tr>
               <a:tr h="678661">
                 <a:tc>
@@ -9845,6 +9855,11 @@
                   </a:txBody>
                   <a:tcPr anchor="ctr"/>
                 </a:tc>
+                <a:extLst>
+                  <a:ext uri="{0D108BD9-81ED-4DB2-BD59-A6C34878D82A}">
+                    <a16:rowId xmlns:a16="http://schemas.microsoft.com/office/drawing/2014/main" xmlns="" val="10002"/>
+                  </a:ext>
+                </a:extLst>
               </a:tr>
               <a:tr h="500066">
                 <a:tc>
@@ -10034,6 +10049,11 @@
                   </a:txBody>
                   <a:tcPr anchor="ctr"/>
                 </a:tc>
+                <a:extLst>
+                  <a:ext uri="{0D108BD9-81ED-4DB2-BD59-A6C34878D82A}">
+                    <a16:rowId xmlns:a16="http://schemas.microsoft.com/office/drawing/2014/main" xmlns="" val="10003"/>
+                  </a:ext>
+                </a:extLst>
               </a:tr>
               <a:tr h="892975">
                 <a:tc>
@@ -10062,18 +10082,7 @@
                           <a:latin typeface="Calibri" panose="020F0502020204030204" pitchFamily="34" charset="0"/>
                           <a:cs typeface="Calibri" panose="020F0502020204030204" pitchFamily="34" charset="0"/>
                         </a:rPr>
-                        <a:t> ODNOSI </a:t>
-                      </a:r>
-                      <a:r>
-                        <a:rPr lang="hr-HR" sz="2200" b="1" baseline="0" dirty="0" smtClean="0">
-                          <a:solidFill>
-                            <a:srgbClr val="FF0000"/>
-                          </a:solidFill>
-                          <a:effectLst/>
-                          <a:latin typeface="Calibri" panose="020F0502020204030204" pitchFamily="34" charset="0"/>
-                          <a:cs typeface="Calibri" panose="020F0502020204030204" pitchFamily="34" charset="0"/>
-                        </a:rPr>
-                        <a:t>I </a:t>
+                        <a:t> ODNOSI I </a:t>
                       </a:r>
                       <a:r>
                         <a:rPr lang="hr-HR" sz="2200" b="1" dirty="0" smtClean="0">
@@ -10199,23 +10208,33 @@
                   </a:txBody>
                   <a:tcPr anchor="ctr"/>
                 </a:tc>
+                <a:extLst>
+                  <a:ext uri="{0D108BD9-81ED-4DB2-BD59-A6C34878D82A}">
+                    <a16:rowId xmlns:a16="http://schemas.microsoft.com/office/drawing/2014/main" xmlns="" val="10004"/>
+                  </a:ext>
+                </a:extLst>
               </a:tr>
             </a:tbl>
           </a:graphicData>
         </a:graphic>
       </p:graphicFrame>
     </p:spTree>
+    <p:extLst>
+      <p:ext uri="{BB962C8B-B14F-4D97-AF65-F5344CB8AC3E}">
+        <p14:creationId xmlns:p14="http://schemas.microsoft.com/office/powerpoint/2010/main" val="76055534"/>
+      </p:ext>
+    </p:extLst>
   </p:cSld>
   <p:clrMapOvr>
     <a:masterClrMapping/>
   </p:clrMapOvr>
-  <mc:AlternateContent xmlns:mc="http://schemas.openxmlformats.org/markup-compatibility/2006">
-    <mc:Choice xmlns:p14="http://schemas.microsoft.com/office/powerpoint/2010/main" Requires="p14">
+  <mc:AlternateContent xmlns:mc="http://schemas.openxmlformats.org/markup-compatibility/2006" xmlns:p14="http://schemas.microsoft.com/office/powerpoint/2010/main">
+    <mc:Choice Requires="p14">
       <p:transition>
         <p14:reveal/>
       </p:transition>
     </mc:Choice>
-    <mc:Fallback>
+    <mc:Fallback xmlns="">
       <p:transition>
         <p:fade/>
       </p:transition>
@@ -10750,7 +10769,7 @@
                 <a:latin typeface="Calibri" panose="020F0502020204030204" pitchFamily="34" charset="0"/>
                 <a:cs typeface="Calibri" panose="020F0502020204030204" pitchFamily="34" charset="0"/>
               </a:rPr>
-              <a:t>crnaca..</a:t>
+              <a:t>manjina..</a:t>
             </a:r>
             <a:r>
               <a:rPr lang="hr-HR" sz="2400" dirty="0" smtClean="0">
@@ -10811,19 +10830,8 @@
                 <a:latin typeface="Calibri" panose="020F0502020204030204" pitchFamily="34" charset="0"/>
                 <a:cs typeface="Calibri" panose="020F0502020204030204" pitchFamily="34" charset="0"/>
               </a:rPr>
-              <a:t>(istražuju dvije strane iste </a:t>
-            </a:r>
-            <a:r>
-              <a:rPr lang="hr-HR" dirty="0" smtClean="0">
-                <a:latin typeface="Calibri" panose="020F0502020204030204" pitchFamily="34" charset="0"/>
-                <a:cs typeface="Calibri" panose="020F0502020204030204" pitchFamily="34" charset="0"/>
-              </a:rPr>
-              <a:t>stvarnosti)</a:t>
-            </a:r>
-            <a:endParaRPr lang="hr-HR" dirty="0" smtClean="0">
-              <a:latin typeface="Calibri" panose="020F0502020204030204" pitchFamily="34" charset="0"/>
-              <a:cs typeface="Calibri" panose="020F0502020204030204" pitchFamily="34" charset="0"/>
-            </a:endParaRPr>
+              <a:t>(istražuju dvije strane iste stvarnosti)</a:t>
+            </a:r>
           </a:p>
         </p:txBody>
       </p:sp>
@@ -10875,17 +10883,22 @@
         </p:txBody>
       </p:sp>
     </p:spTree>
+    <p:extLst>
+      <p:ext uri="{BB962C8B-B14F-4D97-AF65-F5344CB8AC3E}">
+        <p14:creationId xmlns:p14="http://schemas.microsoft.com/office/powerpoint/2010/main" val="332784605"/>
+      </p:ext>
+    </p:extLst>
   </p:cSld>
   <p:clrMapOvr>
     <a:masterClrMapping/>
   </p:clrMapOvr>
-  <mc:AlternateContent xmlns:mc="http://schemas.openxmlformats.org/markup-compatibility/2006">
-    <mc:Choice xmlns:p14="http://schemas.microsoft.com/office/powerpoint/2010/main" Requires="p14">
+  <mc:AlternateContent xmlns:mc="http://schemas.openxmlformats.org/markup-compatibility/2006" xmlns:p14="http://schemas.microsoft.com/office/powerpoint/2010/main">
+    <mc:Choice Requires="p14">
       <p:transition>
         <p14:reveal/>
       </p:transition>
     </mc:Choice>
-    <mc:Fallback>
+    <mc:Fallback xmlns="">
       <p:transition>
         <p:fade/>
       </p:transition>
@@ -11395,28 +11408,34 @@
               <a:buChar char="–"/>
             </a:pPr>
             <a:r>
-              <a:rPr lang="hr-HR" sz="2400" u="sng" dirty="0" smtClean="0">
-                <a:latin typeface="Calibri" panose="020F0502020204030204" pitchFamily="34" charset="0"/>
-                <a:cs typeface="Calibri" panose="020F0502020204030204" pitchFamily="34" charset="0"/>
-              </a:rPr>
-              <a:t>USREDOTOČUJU SE NA </a:t>
-            </a:r>
-            <a:r>
-              <a:rPr lang="hr-HR" sz="2400" b="1" u="sng" dirty="0" smtClean="0">
-                <a:latin typeface="Calibri" panose="020F0502020204030204" pitchFamily="34" charset="0"/>
-                <a:cs typeface="Calibri" panose="020F0502020204030204" pitchFamily="34" charset="0"/>
-              </a:rPr>
-              <a:t>INTERAKCIJU POJEDINACA </a:t>
-            </a:r>
-            <a:r>
-              <a:rPr lang="hr-HR" sz="2400" u="sng" dirty="0" smtClean="0">
+              <a:rPr lang="hr-HR" sz="2400" dirty="0" smtClean="0">
+                <a:latin typeface="Calibri" panose="020F0502020204030204" pitchFamily="34" charset="0"/>
+                <a:cs typeface="Calibri" panose="020F0502020204030204" pitchFamily="34" charset="0"/>
+              </a:rPr>
+              <a:t>USREDOTOČUJE SE NA </a:t>
+            </a:r>
+            <a:r>
+              <a:rPr lang="hr-HR" sz="2400" b="1" dirty="0" smtClean="0">
+                <a:solidFill>
+                  <a:srgbClr val="FF0000"/>
+                </a:solidFill>
+                <a:latin typeface="Calibri" panose="020F0502020204030204" pitchFamily="34" charset="0"/>
+                <a:cs typeface="Calibri" panose="020F0502020204030204" pitchFamily="34" charset="0"/>
+              </a:rPr>
+              <a:t>INTERAKCIJU MEĐU POJEDINCIMA </a:t>
+            </a:r>
+            <a:r>
+              <a:rPr lang="hr-HR" sz="2400" dirty="0" smtClean="0">
                 <a:latin typeface="Calibri" panose="020F0502020204030204" pitchFamily="34" charset="0"/>
                 <a:cs typeface="Calibri" panose="020F0502020204030204" pitchFamily="34" charset="0"/>
               </a:rPr>
               <a:t>KROZ KOJU SE </a:t>
             </a:r>
             <a:r>
-              <a:rPr lang="hr-HR" sz="2400" b="1" u="sng" dirty="0" smtClean="0">
+              <a:rPr lang="hr-HR" sz="2400" b="1" dirty="0" smtClean="0">
+                <a:solidFill>
+                  <a:srgbClr val="FF0000"/>
+                </a:solidFill>
                 <a:latin typeface="Calibri" panose="020F0502020204030204" pitchFamily="34" charset="0"/>
                 <a:cs typeface="Calibri" panose="020F0502020204030204" pitchFamily="34" charset="0"/>
               </a:rPr>
@@ -11450,11 +11469,24 @@
               <a:buChar char="–"/>
             </a:pPr>
             <a:r>
+              <a:rPr lang="hr-HR" sz="2400" b="1" dirty="0" smtClean="0">
+                <a:solidFill>
+                  <a:srgbClr val="FF0000"/>
+                </a:solidFill>
+                <a:latin typeface="Calibri" panose="020F0502020204030204" pitchFamily="34" charset="0"/>
+                <a:cs typeface="Calibri" panose="020F0502020204030204" pitchFamily="34" charset="0"/>
+              </a:rPr>
+              <a:t>začetnik</a:t>
+            </a:r>
+            <a:r>
               <a:rPr lang="hr-HR" sz="2400" dirty="0" smtClean="0">
-                <a:latin typeface="Calibri" panose="020F0502020204030204" pitchFamily="34" charset="0"/>
-                <a:cs typeface="Calibri" panose="020F0502020204030204" pitchFamily="34" charset="0"/>
-              </a:rPr>
-              <a:t>začetnik </a:t>
+                <a:solidFill>
+                  <a:srgbClr val="FF0000"/>
+                </a:solidFill>
+                <a:latin typeface="Calibri" panose="020F0502020204030204" pitchFamily="34" charset="0"/>
+                <a:cs typeface="Calibri" panose="020F0502020204030204" pitchFamily="34" charset="0"/>
+              </a:rPr>
+              <a:t> </a:t>
             </a:r>
             <a:r>
               <a:rPr lang="hr-HR" sz="2400" dirty="0" err="1" smtClean="0">
@@ -11964,17 +11996,22 @@
         </p:txBody>
       </p:sp>
     </p:spTree>
+    <p:extLst>
+      <p:ext uri="{BB962C8B-B14F-4D97-AF65-F5344CB8AC3E}">
+        <p14:creationId xmlns:p14="http://schemas.microsoft.com/office/powerpoint/2010/main" val="2505108782"/>
+      </p:ext>
+    </p:extLst>
   </p:cSld>
   <p:clrMapOvr>
     <a:masterClrMapping/>
   </p:clrMapOvr>
-  <mc:AlternateContent xmlns:mc="http://schemas.openxmlformats.org/markup-compatibility/2006">
-    <mc:Choice xmlns:p14="http://schemas.microsoft.com/office/powerpoint/2010/main" Requires="p14">
+  <mc:AlternateContent xmlns:mc="http://schemas.openxmlformats.org/markup-compatibility/2006" xmlns:p14="http://schemas.microsoft.com/office/powerpoint/2010/main">
+    <mc:Choice Requires="p14">
       <p:transition>
         <p14:reveal/>
       </p:transition>
     </mc:Choice>
-    <mc:Fallback>
+    <mc:Fallback xmlns="">
       <p:transition>
         <p:fade/>
       </p:transition>
@@ -12523,7 +12560,7 @@
             <p:ph idx="1"/>
             <p:extLst>
               <p:ext uri="{D42A27DB-BD31-4B8C-83A1-F6EECF244321}">
-                <p14:modId xmlns:p14="http://schemas.microsoft.com/office/powerpoint/2010/main" val="3752499130"/>
+                <p14:modId xmlns:p14="http://schemas.microsoft.com/office/powerpoint/2010/main" val="1721789100"/>
               </p:ext>
             </p:extLst>
           </p:nvPr>
@@ -12539,10 +12576,34 @@
                 <a:tableStyleId>{5C22544A-7EE6-4342-B048-85BDC9FD1C3A}</a:tableStyleId>
               </a:tblPr>
               <a:tblGrid>
-                <a:gridCol w="1714481"/>
-                <a:gridCol w="2286016"/>
-                <a:gridCol w="2462611"/>
-                <a:gridCol w="2428892"/>
+                <a:gridCol w="1714481">
+                  <a:extLst>
+                    <a:ext uri="{9D8B030D-6E8A-4147-A177-3AD203B41FA5}">
+                      <a16:colId xmlns:a16="http://schemas.microsoft.com/office/drawing/2014/main" xmlns="" val="20000"/>
+                    </a:ext>
+                  </a:extLst>
+                </a:gridCol>
+                <a:gridCol w="2286016">
+                  <a:extLst>
+                    <a:ext uri="{9D8B030D-6E8A-4147-A177-3AD203B41FA5}">
+                      <a16:colId xmlns:a16="http://schemas.microsoft.com/office/drawing/2014/main" xmlns="" val="20001"/>
+                    </a:ext>
+                  </a:extLst>
+                </a:gridCol>
+                <a:gridCol w="2462611">
+                  <a:extLst>
+                    <a:ext uri="{9D8B030D-6E8A-4147-A177-3AD203B41FA5}">
+                      <a16:colId xmlns:a16="http://schemas.microsoft.com/office/drawing/2014/main" xmlns="" val="20002"/>
+                    </a:ext>
+                  </a:extLst>
+                </a:gridCol>
+                <a:gridCol w="2428892">
+                  <a:extLst>
+                    <a:ext uri="{9D8B030D-6E8A-4147-A177-3AD203B41FA5}">
+                      <a16:colId xmlns:a16="http://schemas.microsoft.com/office/drawing/2014/main" xmlns="" val="20003"/>
+                    </a:ext>
+                  </a:extLst>
+                </a:gridCol>
               </a:tblGrid>
               <a:tr h="483231">
                 <a:tc>
@@ -12654,6 +12715,11 @@
                   </a:txBody>
                   <a:tcPr anchor="ctr"/>
                 </a:tc>
+                <a:extLst>
+                  <a:ext uri="{0D108BD9-81ED-4DB2-BD59-A6C34878D82A}">
+                    <a16:rowId xmlns:a16="http://schemas.microsoft.com/office/drawing/2014/main" xmlns="" val="10000"/>
+                  </a:ext>
+                </a:extLst>
               </a:tr>
               <a:tr h="588981">
                 <a:tc>
@@ -12804,6 +12870,11 @@
                   </a:txBody>
                   <a:tcPr anchor="ctr"/>
                 </a:tc>
+                <a:extLst>
+                  <a:ext uri="{0D108BD9-81ED-4DB2-BD59-A6C34878D82A}">
+                    <a16:rowId xmlns:a16="http://schemas.microsoft.com/office/drawing/2014/main" xmlns="" val="10001"/>
+                  </a:ext>
+                </a:extLst>
               </a:tr>
               <a:tr h="1171564">
                 <a:tc>
@@ -12928,6 +12999,9 @@
                       </a:r>
                       <a:r>
                         <a:rPr lang="vi-VN" sz="2000" b="1" dirty="0" smtClean="0">
+                          <a:solidFill>
+                            <a:srgbClr val="FF0000"/>
+                          </a:solidFill>
                           <a:latin typeface="Calibri" panose="020F0502020204030204" pitchFamily="34" charset="0"/>
                           <a:cs typeface="Calibri" panose="020F0502020204030204" pitchFamily="34" charset="0"/>
                         </a:rPr>
@@ -12935,6 +13009,9 @@
                       </a:r>
                       <a:r>
                         <a:rPr lang="hr-HR" sz="2000" b="1" dirty="0" smtClean="0">
+                          <a:solidFill>
+                            <a:srgbClr val="FF0000"/>
+                          </a:solidFill>
                           <a:latin typeface="Calibri" panose="020F0502020204030204" pitchFamily="34" charset="0"/>
                           <a:cs typeface="Calibri" panose="020F0502020204030204" pitchFamily="34" charset="0"/>
                         </a:rPr>
@@ -12942,12 +13019,18 @@
                       </a:r>
                       <a:r>
                         <a:rPr lang="vi-VN" sz="2000" b="1" dirty="0" smtClean="0">
+                          <a:solidFill>
+                            <a:srgbClr val="FF0000"/>
+                          </a:solidFill>
                           <a:latin typeface="Calibri" panose="020F0502020204030204" pitchFamily="34" charset="0"/>
                           <a:cs typeface="Calibri" panose="020F0502020204030204" pitchFamily="34" charset="0"/>
                         </a:rPr>
                         <a:t>ijelova</a:t>
                       </a:r>
                       <a:endParaRPr lang="hr-HR" sz="2000" b="1" dirty="0">
+                        <a:solidFill>
+                          <a:srgbClr val="FF0000"/>
+                        </a:solidFill>
                         <a:latin typeface="Calibri" panose="020F0502020204030204" pitchFamily="34" charset="0"/>
                         <a:cs typeface="Calibri" panose="020F0502020204030204" pitchFamily="34" charset="0"/>
                       </a:endParaRPr>
@@ -12986,6 +13069,9 @@
                       </a:r>
                       <a:r>
                         <a:rPr lang="hr-HR" sz="2000" b="1" dirty="0" smtClean="0">
+                          <a:solidFill>
+                            <a:srgbClr val="FF0000"/>
+                          </a:solidFill>
                           <a:latin typeface="Calibri" panose="020F0502020204030204" pitchFamily="34" charset="0"/>
                           <a:cs typeface="Calibri" panose="020F0502020204030204" pitchFamily="34" charset="0"/>
                         </a:rPr>
@@ -13012,12 +13098,18 @@
                       </a:pPr>
                       <a:r>
                         <a:rPr lang="hr-HR" sz="2000" b="1" dirty="0" smtClean="0">
+                          <a:solidFill>
+                            <a:srgbClr val="FF0000"/>
+                          </a:solidFill>
                           <a:latin typeface="Calibri" panose="020F0502020204030204" pitchFamily="34" charset="0"/>
                           <a:cs typeface="Calibri" panose="020F0502020204030204" pitchFamily="34" charset="0"/>
                         </a:rPr>
                         <a:t>društvenih grupa</a:t>
                       </a:r>
                       <a:endParaRPr lang="hr-HR" sz="2000" b="1" dirty="0">
+                        <a:solidFill>
+                          <a:srgbClr val="FF0000"/>
+                        </a:solidFill>
                         <a:latin typeface="Calibri" panose="020F0502020204030204" pitchFamily="34" charset="0"/>
                         <a:cs typeface="Calibri" panose="020F0502020204030204" pitchFamily="34" charset="0"/>
                       </a:endParaRPr>
@@ -13056,12 +13148,18 @@
                       </a:r>
                       <a:r>
                         <a:rPr lang="hr-HR" sz="2000" b="1" dirty="0" smtClean="0">
+                          <a:solidFill>
+                            <a:srgbClr val="FF0000"/>
+                          </a:solidFill>
                           <a:latin typeface="Calibri" panose="020F0502020204030204" pitchFamily="34" charset="0"/>
                           <a:cs typeface="Calibri" panose="020F0502020204030204" pitchFamily="34" charset="0"/>
                         </a:rPr>
                         <a:t>interakcijama</a:t>
                       </a:r>
                       <a:endParaRPr lang="hr-HR" sz="2000" b="1" dirty="0">
+                        <a:solidFill>
+                          <a:srgbClr val="FF0000"/>
+                        </a:solidFill>
                         <a:latin typeface="Calibri" panose="020F0502020204030204" pitchFamily="34" charset="0"/>
                         <a:cs typeface="Calibri" panose="020F0502020204030204" pitchFamily="34" charset="0"/>
                       </a:endParaRPr>
@@ -13069,6 +13167,11 @@
                   </a:txBody>
                   <a:tcPr anchor="ctr"/>
                 </a:tc>
+                <a:extLst>
+                  <a:ext uri="{0D108BD9-81ED-4DB2-BD59-A6C34878D82A}">
+                    <a16:rowId xmlns:a16="http://schemas.microsoft.com/office/drawing/2014/main" xmlns="" val="10002"/>
+                  </a:ext>
+                </a:extLst>
               </a:tr>
               <a:tr h="1000132">
                 <a:tc>
@@ -13271,6 +13374,11 @@
                   </a:txBody>
                   <a:tcPr anchor="ctr"/>
                 </a:tc>
+                <a:extLst>
+                  <a:ext uri="{0D108BD9-81ED-4DB2-BD59-A6C34878D82A}">
+                    <a16:rowId xmlns:a16="http://schemas.microsoft.com/office/drawing/2014/main" xmlns="" val="10003"/>
+                  </a:ext>
+                </a:extLst>
               </a:tr>
               <a:tr h="783283">
                 <a:tc>
@@ -13527,6 +13635,11 @@
                   </a:txBody>
                   <a:tcPr anchor="ctr"/>
                 </a:tc>
+                <a:extLst>
+                  <a:ext uri="{0D108BD9-81ED-4DB2-BD59-A6C34878D82A}">
+                    <a16:rowId xmlns:a16="http://schemas.microsoft.com/office/drawing/2014/main" xmlns="" val="10004"/>
+                  </a:ext>
+                </a:extLst>
               </a:tr>
             </a:tbl>
           </a:graphicData>
@@ -13638,17 +13751,22 @@
         </p:sp>
       </p:grpSp>
     </p:spTree>
+    <p:extLst>
+      <p:ext uri="{BB962C8B-B14F-4D97-AF65-F5344CB8AC3E}">
+        <p14:creationId xmlns:p14="http://schemas.microsoft.com/office/powerpoint/2010/main" val="4045642579"/>
+      </p:ext>
+    </p:extLst>
   </p:cSld>
   <p:clrMapOvr>
     <a:masterClrMapping/>
   </p:clrMapOvr>
-  <mc:AlternateContent xmlns:mc="http://schemas.openxmlformats.org/markup-compatibility/2006">
-    <mc:Choice xmlns:p14="http://schemas.microsoft.com/office/powerpoint/2010/main" Requires="p14">
+  <mc:AlternateContent xmlns:mc="http://schemas.openxmlformats.org/markup-compatibility/2006" xmlns:p14="http://schemas.microsoft.com/office/powerpoint/2010/main">
+    <mc:Choice Requires="p14">
       <p:transition>
         <p14:reveal/>
       </p:transition>
     </mc:Choice>
-    <mc:Fallback>
+    <mc:Fallback xmlns="">
       <p:transition>
         <p:fade/>
       </p:transition>
@@ -13895,17 +14013,22 @@
         </p:sp>
       </p:grpSp>
     </p:spTree>
+    <p:extLst>
+      <p:ext uri="{BB962C8B-B14F-4D97-AF65-F5344CB8AC3E}">
+        <p14:creationId xmlns:p14="http://schemas.microsoft.com/office/powerpoint/2010/main" val="2175499070"/>
+      </p:ext>
+    </p:extLst>
   </p:cSld>
   <p:clrMapOvr>
     <a:masterClrMapping/>
   </p:clrMapOvr>
-  <mc:AlternateContent xmlns:mc="http://schemas.openxmlformats.org/markup-compatibility/2006">
-    <mc:Choice xmlns:p14="http://schemas.microsoft.com/office/powerpoint/2010/main" Requires="p14">
+  <mc:AlternateContent xmlns:mc="http://schemas.openxmlformats.org/markup-compatibility/2006" xmlns:p14="http://schemas.microsoft.com/office/powerpoint/2010/main">
+    <mc:Choice Requires="p14">
       <p:transition>
         <p14:reveal/>
       </p:transition>
     </mc:Choice>
-    <mc:Fallback>
+    <mc:Fallback xmlns="">
       <p:transition>
         <p:fade/>
       </p:transition>
